--- a/Final Project.pptx
+++ b/Final Project.pptx
@@ -13493,13 +13493,21 @@
           <a:p>
             <a:r>
               <a:rPr lang="en-US" dirty="0"/>
-              <a:t>Training data: Scores of all NBA teams from 1980 – 2012 including Wins, Points Scored, Point Conceded, 2 pointers scored, 2 pointers attempted and other factors (835 data sets)</a:t>
+              <a:t>Training data: Scores of all NBA teams from 1980 – 2012 including Wins, Points Scored, Point Conceded, 2 pointers scored, 2 pointers attempted, 3 pointers scored, 3 pointers attempted and Free throws (835 data sets)</a:t>
             </a:r>
           </a:p>
           <a:p>
             <a:r>
               <a:rPr lang="en-US" dirty="0"/>
-              <a:t>Test data: Scores of NBA teams from 2013 to see if the prediction would be valid (28 data sets)</a:t>
+              <a:t>Test data: Scores of NBA teams from 2013 considering same criteria as </a:t>
+            </a:r>
+            <a:r>
+              <a:rPr lang="en-US"/>
+              <a:t>training data </a:t>
+            </a:r>
+            <a:r>
+              <a:rPr lang="en-US" dirty="0"/>
+              <a:t>to see if the prediction would be valid (28 data sets)</a:t>
             </a:r>
           </a:p>
         </p:txBody>
